--- a/AvoidingMicroserviceMegadisasters/AvoidingMicroserviceMegadisasters.pptx
+++ b/AvoidingMicroserviceMegadisasters/AvoidingMicroserviceMegadisasters.pptx
@@ -231,7 +231,7 @@
           <a:p>
             <a:fld id="{BA11CBBD-FCCC-4341-9A07-9341F6C54581}" type="datetimeFigureOut">
               <a:rPr lang="en-US" smtClean="0"/>
-              <a:t>5/27/2016</a:t>
+              <a:t>8/10/2016</a:t>
             </a:fld>
             <a:endParaRPr lang="en-US"/>
           </a:p>
@@ -805,7 +805,7 @@
           <a:p>
             <a:fld id="{A2B0D24E-6441-4C34-9150-7D417DBEA707}" type="datetimeFigureOut">
               <a:rPr lang="en-US" smtClean="0"/>
-              <a:t>5/27/2016</a:t>
+              <a:t>8/10/2016</a:t>
             </a:fld>
             <a:endParaRPr lang="en-US"/>
           </a:p>
@@ -973,7 +973,7 @@
           <a:p>
             <a:fld id="{A2B0D24E-6441-4C34-9150-7D417DBEA707}" type="datetimeFigureOut">
               <a:rPr lang="en-US" smtClean="0"/>
-              <a:t>5/27/2016</a:t>
+              <a:t>8/10/2016</a:t>
             </a:fld>
             <a:endParaRPr lang="en-US"/>
           </a:p>
@@ -1151,7 +1151,7 @@
           <a:p>
             <a:fld id="{A2B0D24E-6441-4C34-9150-7D417DBEA707}" type="datetimeFigureOut">
               <a:rPr lang="en-US" smtClean="0"/>
-              <a:t>5/27/2016</a:t>
+              <a:t>8/10/2016</a:t>
             </a:fld>
             <a:endParaRPr lang="en-US"/>
           </a:p>
@@ -1319,7 +1319,7 @@
           <a:p>
             <a:fld id="{A2B0D24E-6441-4C34-9150-7D417DBEA707}" type="datetimeFigureOut">
               <a:rPr lang="en-US" smtClean="0"/>
-              <a:t>5/27/2016</a:t>
+              <a:t>8/10/2016</a:t>
             </a:fld>
             <a:endParaRPr lang="en-US"/>
           </a:p>
@@ -1564,7 +1564,7 @@
           <a:p>
             <a:fld id="{A2B0D24E-6441-4C34-9150-7D417DBEA707}" type="datetimeFigureOut">
               <a:rPr lang="en-US" smtClean="0"/>
-              <a:t>5/27/2016</a:t>
+              <a:t>8/10/2016</a:t>
             </a:fld>
             <a:endParaRPr lang="en-US"/>
           </a:p>
@@ -1793,7 +1793,7 @@
           <a:p>
             <a:fld id="{A2B0D24E-6441-4C34-9150-7D417DBEA707}" type="datetimeFigureOut">
               <a:rPr lang="en-US" smtClean="0"/>
-              <a:t>5/27/2016</a:t>
+              <a:t>8/10/2016</a:t>
             </a:fld>
             <a:endParaRPr lang="en-US"/>
           </a:p>
@@ -2157,7 +2157,7 @@
           <a:p>
             <a:fld id="{A2B0D24E-6441-4C34-9150-7D417DBEA707}" type="datetimeFigureOut">
               <a:rPr lang="en-US" smtClean="0"/>
-              <a:t>5/27/2016</a:t>
+              <a:t>8/10/2016</a:t>
             </a:fld>
             <a:endParaRPr lang="en-US"/>
           </a:p>
@@ -2274,7 +2274,7 @@
           <a:p>
             <a:fld id="{A2B0D24E-6441-4C34-9150-7D417DBEA707}" type="datetimeFigureOut">
               <a:rPr lang="en-US" smtClean="0"/>
-              <a:t>5/27/2016</a:t>
+              <a:t>8/10/2016</a:t>
             </a:fld>
             <a:endParaRPr lang="en-US"/>
           </a:p>
@@ -2369,7 +2369,7 @@
           <a:p>
             <a:fld id="{A2B0D24E-6441-4C34-9150-7D417DBEA707}" type="datetimeFigureOut">
               <a:rPr lang="en-US" smtClean="0"/>
-              <a:t>5/27/2016</a:t>
+              <a:t>8/10/2016</a:t>
             </a:fld>
             <a:endParaRPr lang="en-US"/>
           </a:p>
@@ -2644,7 +2644,7 @@
           <a:p>
             <a:fld id="{A2B0D24E-6441-4C34-9150-7D417DBEA707}" type="datetimeFigureOut">
               <a:rPr lang="en-US" smtClean="0"/>
-              <a:t>5/27/2016</a:t>
+              <a:t>8/10/2016</a:t>
             </a:fld>
             <a:endParaRPr lang="en-US"/>
           </a:p>
@@ -2896,7 +2896,7 @@
           <a:p>
             <a:fld id="{A2B0D24E-6441-4C34-9150-7D417DBEA707}" type="datetimeFigureOut">
               <a:rPr lang="en-US" smtClean="0"/>
-              <a:t>5/27/2016</a:t>
+              <a:t>8/10/2016</a:t>
             </a:fld>
             <a:endParaRPr lang="en-US"/>
           </a:p>
@@ -3107,7 +3107,7 @@
           <a:p>
             <a:fld id="{A2B0D24E-6441-4C34-9150-7D417DBEA707}" type="datetimeFigureOut">
               <a:rPr lang="en-US" smtClean="0"/>
-              <a:t>5/27/2016</a:t>
+              <a:t>8/10/2016</a:t>
             </a:fld>
             <a:endParaRPr lang="en-US"/>
           </a:p>
@@ -10256,7 +10256,7 @@
         </p:spPr>
         <p:txBody>
           <a:bodyPr>
-            <a:normAutofit/>
+            <a:normAutofit lnSpcReduction="10000"/>
           </a:bodyPr>
           <a:lstStyle/>
           <a:p>
@@ -10292,6 +10292,13 @@
               <a:rPr lang="en-US" dirty="0"/>
               <a:t>jimmybogard.lostechies.com</a:t>
             </a:r>
+          </a:p>
+          <a:p>
+            <a:r>
+              <a:rPr lang="en-US"/>
+              <a:t>11xEngineering.com</a:t>
+            </a:r>
+            <a:endParaRPr lang="en-US" dirty="0"/>
           </a:p>
           <a:p>
             <a:endParaRPr lang="en-US" dirty="0"/>
